--- a/授業資料/GitHub.pptx
+++ b/授業資料/GitHub.pptx
@@ -8,8 +8,8 @@
     <p:sldId id="278" r:id="rId2"/>
     <p:sldId id="275" r:id="rId3"/>
     <p:sldId id="329" r:id="rId4"/>
-    <p:sldId id="330" r:id="rId5"/>
-    <p:sldId id="331" r:id="rId6"/>
+    <p:sldId id="331" r:id="rId5"/>
+    <p:sldId id="330" r:id="rId6"/>
     <p:sldId id="282" r:id="rId7"/>
     <p:sldId id="283" r:id="rId8"/>
     <p:sldId id="284" r:id="rId9"/>
@@ -4981,7 +4981,7 @@
 </file>
 
 <file path=ppt/slides/slide13.xml><?xml version="1.0" encoding="utf-8"?>
-<p:sld xmlns:a="http://schemas.openxmlformats.org/drawingml/2006/main" xmlns:r="http://schemas.openxmlformats.org/officeDocument/2006/relationships" xmlns:p="http://schemas.openxmlformats.org/presentationml/2006/main">
+<p:sld xmlns:a="http://schemas.openxmlformats.org/drawingml/2006/main" xmlns:r="http://schemas.openxmlformats.org/officeDocument/2006/relationships" xmlns:p="http://schemas.openxmlformats.org/presentationml/2006/main" show="0">
   <p:cSld>
     <p:spTree>
       <p:nvGrpSpPr>
@@ -5454,7 +5454,7 @@
         <p:spPr>
           <a:xfrm>
             <a:off x="838200" y="1343013"/>
-            <a:ext cx="10515600" cy="4881563"/>
+            <a:ext cx="11125200" cy="4881563"/>
           </a:xfrm>
         </p:spPr>
         <p:txBody>
@@ -5478,12 +5478,12 @@
               <a:rPr kumimoji="1" lang="en-US" altLang="ja-JP" sz="3600" b="1" u="sng" dirty="0"/>
             </a:br>
             <a:r>
-              <a:rPr kumimoji="1" lang="en-US" altLang="ja-JP" sz="3600" b="1" dirty="0">
+              <a:rPr lang="en-US" altLang="ja-JP" sz="3600" b="1" dirty="0">
                 <a:solidFill>
                   <a:srgbClr val="0070C0"/>
                 </a:solidFill>
               </a:rPr>
-              <a:t>https://desktop.github.com/</a:t>
+              <a:t>https://desktop.github.com/download/</a:t>
             </a:r>
             <a:br>
               <a:rPr kumimoji="1" lang="en-US" altLang="ja-JP" sz="3600" b="1" dirty="0">
@@ -5530,14 +5530,14 @@
             </a:br>
             <a:r>
               <a:rPr kumimoji="1" lang="ja-JP" altLang="en-US" sz="3600" dirty="0"/>
-              <a:t>のボタンをクリックして</a:t>
+              <a:t>のボタンをクリック</a:t>
             </a:r>
             <a:br>
               <a:rPr kumimoji="1" lang="en-US" altLang="ja-JP" sz="3600" dirty="0"/>
             </a:br>
             <a:r>
               <a:rPr kumimoji="1" lang="ja-JP" altLang="en-US" sz="3600" dirty="0"/>
-              <a:t>ダウンロード</a:t>
+              <a:t>してダウンロード</a:t>
             </a:r>
             <a:endParaRPr kumimoji="1" lang="en-US" altLang="ja-JP" sz="3600" dirty="0"/>
           </a:p>
@@ -5545,10 +5545,10 @@
       </p:sp>
       <p:pic>
         <p:nvPicPr>
-          <p:cNvPr id="6" name="図 5">
-            <a:extLst>
-              <a:ext uri="{FF2B5EF4-FFF2-40B4-BE49-F238E27FC236}">
-                <a16:creationId xmlns:a16="http://schemas.microsoft.com/office/drawing/2014/main" id="{FE07CA94-1039-F11A-73E6-F7D7D8EE2DEC}"/>
+          <p:cNvPr id="4" name="図 3">
+            <a:extLst>
+              <a:ext uri="{FF2B5EF4-FFF2-40B4-BE49-F238E27FC236}">
+                <a16:creationId xmlns:a16="http://schemas.microsoft.com/office/drawing/2014/main" id="{CC8107AA-AE37-4E06-BB5F-C7B297902DAF}"/>
               </a:ext>
             </a:extLst>
           </p:cNvPr>
@@ -5558,21 +5558,15 @@
           <p:nvPr/>
         </p:nvPicPr>
         <p:blipFill>
-          <a:blip r:embed="rId2">
-            <a:extLst>
-              <a:ext uri="{28A0092B-C50C-407E-A947-70E740481C1C}">
-                <a14:useLocalDpi xmlns:a14="http://schemas.microsoft.com/office/drawing/2010/main" val="0"/>
-              </a:ext>
-            </a:extLst>
-          </a:blip>
+          <a:blip r:embed="rId2"/>
           <a:stretch>
             <a:fillRect/>
           </a:stretch>
         </p:blipFill>
         <p:spPr>
           <a:xfrm>
-            <a:off x="6324600" y="3030662"/>
-            <a:ext cx="4343400" cy="3462213"/>
+            <a:off x="5587896" y="3124200"/>
+            <a:ext cx="6375503" cy="3572480"/>
           </a:xfrm>
           <a:prstGeom prst="rect">
             <a:avLst/>
@@ -5581,10 +5575,10 @@
       </p:pic>
       <p:sp>
         <p:nvSpPr>
-          <p:cNvPr id="7" name="正方形/長方形 6">
-            <a:extLst>
-              <a:ext uri="{FF2B5EF4-FFF2-40B4-BE49-F238E27FC236}">
-                <a16:creationId xmlns:a16="http://schemas.microsoft.com/office/drawing/2014/main" id="{C525CB68-5B71-32C4-760A-2B8EADD4AF7B}"/>
+          <p:cNvPr id="8" name="正方形/長方形 7">
+            <a:extLst>
+              <a:ext uri="{FF2B5EF4-FFF2-40B4-BE49-F238E27FC236}">
+                <a16:creationId xmlns:a16="http://schemas.microsoft.com/office/drawing/2014/main" id="{1CD96B68-64C3-4BDD-9C6B-738BDA402476}"/>
               </a:ext>
             </a:extLst>
           </p:cNvPr>
@@ -5593,8 +5587,8 @@
         </p:nvSpPr>
         <p:spPr>
           <a:xfrm>
-            <a:off x="7239000" y="5967389"/>
-            <a:ext cx="2480930" cy="457200"/>
+            <a:off x="6248400" y="5967388"/>
+            <a:ext cx="3352800" cy="662011"/>
           </a:xfrm>
           <a:prstGeom prst="rect">
             <a:avLst/>
@@ -5903,18 +5897,46 @@
               <a:rPr kumimoji="1" lang="en-US" altLang="ja-JP" sz="3600" b="1" u="sng" dirty="0"/>
             </a:br>
             <a:r>
-              <a:rPr kumimoji="1" lang="en-US" altLang="ja-JP" sz="3600" dirty="0"/>
+              <a:rPr kumimoji="1" lang="en-US" altLang="ja-JP" sz="3600" dirty="0">
+                <a:solidFill>
+                  <a:schemeClr val="bg1"/>
+                </a:solidFill>
+                <a:highlight>
+                  <a:srgbClr val="0000FF"/>
+                </a:highlight>
+              </a:rPr>
               <a:t>[Sign in to </a:t>
             </a:r>
             <a:br>
-              <a:rPr kumimoji="1" lang="en-US" altLang="ja-JP" sz="3600" dirty="0"/>
-            </a:br>
-            <a:r>
-              <a:rPr kumimoji="1" lang="en-US" altLang="ja-JP" sz="3600" dirty="0"/>
+              <a:rPr kumimoji="1" lang="en-US" altLang="ja-JP" sz="3600" dirty="0">
+                <a:solidFill>
+                  <a:schemeClr val="bg1"/>
+                </a:solidFill>
+                <a:highlight>
+                  <a:srgbClr val="0000FF"/>
+                </a:highlight>
+              </a:rPr>
+            </a:br>
+            <a:r>
+              <a:rPr kumimoji="1" lang="en-US" altLang="ja-JP" sz="3600" dirty="0">
+                <a:solidFill>
+                  <a:schemeClr val="bg1"/>
+                </a:solidFill>
+                <a:highlight>
+                  <a:srgbClr val="0000FF"/>
+                </a:highlight>
+              </a:rPr>
               <a:t> Github.com]</a:t>
             </a:r>
             <a:br>
-              <a:rPr kumimoji="1" lang="en-US" altLang="ja-JP" sz="3600" dirty="0"/>
+              <a:rPr kumimoji="1" lang="en-US" altLang="ja-JP" sz="3600" dirty="0">
+                <a:solidFill>
+                  <a:schemeClr val="bg1"/>
+                </a:solidFill>
+                <a:highlight>
+                  <a:srgbClr val="0000FF"/>
+                </a:highlight>
+              </a:rPr>
             </a:br>
             <a:r>
               <a:rPr lang="ja-JP" altLang="en-US" sz="3600" dirty="0"/>
@@ -11935,7 +11957,7 @@
         <p:cNvPr id="1" name="">
           <a:extLst>
             <a:ext uri="{FF2B5EF4-FFF2-40B4-BE49-F238E27FC236}">
-              <a16:creationId xmlns:a16="http://schemas.microsoft.com/office/drawing/2014/main" id="{857BE397-A146-7D6F-95FE-B28A89531833}"/>
+              <a16:creationId xmlns:a16="http://schemas.microsoft.com/office/drawing/2014/main" id="{F9192255-0B9D-7D30-B7D7-470BBA2FF322}"/>
             </a:ext>
           </a:extLst>
         </p:cNvPr>
@@ -11955,7 +11977,7 @@
           <p:cNvPr id="2" name="タイトル 1">
             <a:extLst>
               <a:ext uri="{FF2B5EF4-FFF2-40B4-BE49-F238E27FC236}">
-                <a16:creationId xmlns:a16="http://schemas.microsoft.com/office/drawing/2014/main" id="{87014A37-6CC1-2F99-55D4-A0684A1F4EA3}"/>
+                <a16:creationId xmlns:a16="http://schemas.microsoft.com/office/drawing/2014/main" id="{C7EE03BF-5EA6-95BE-CDA8-E3922C7E0048}"/>
               </a:ext>
             </a:extLst>
           </p:cNvPr>
@@ -11987,7 +12009,7 @@
           <p:cNvPr id="3" name="コンテンツ プレースホルダー 2">
             <a:extLst>
               <a:ext uri="{FF2B5EF4-FFF2-40B4-BE49-F238E27FC236}">
-                <a16:creationId xmlns:a16="http://schemas.microsoft.com/office/drawing/2014/main" id="{84BC84BF-BE42-62B5-CFE4-56F3AC775B7B}"/>
+                <a16:creationId xmlns:a16="http://schemas.microsoft.com/office/drawing/2014/main" id="{E15C89F0-2DE1-15E3-AC65-75795469AB2F}"/>
               </a:ext>
             </a:extLst>
           </p:cNvPr>
@@ -12007,49 +12029,14 @@
           <a:p>
             <a:r>
               <a:rPr kumimoji="1" lang="en-US" altLang="ja-JP" sz="3600" dirty="0"/>
-              <a:t>Username</a:t>
+              <a:t>Email</a:t>
             </a:r>
             <a:br>
               <a:rPr kumimoji="1" lang="en-US" altLang="ja-JP" sz="3600" dirty="0"/>
             </a:br>
-            <a:br>
-              <a:rPr kumimoji="1" lang="en-US" altLang="ja-JP" sz="3600" dirty="0"/>
-            </a:br>
-            <a:r>
-              <a:rPr kumimoji="1" lang="en-US" altLang="ja-JP" sz="3600" b="1" dirty="0" err="1"/>
-              <a:t>kd</a:t>
-            </a:r>
-            <a:r>
-              <a:rPr kumimoji="1" lang="en-US" altLang="ja-JP" sz="3600" b="1" dirty="0"/>
-              <a:t>???????</a:t>
-            </a:r>
-            <a:br>
-              <a:rPr kumimoji="1" lang="en-US" altLang="ja-JP" sz="3600" b="1" dirty="0"/>
-            </a:br>
-            <a:br>
-              <a:rPr kumimoji="1" lang="en-US" altLang="ja-JP" sz="3600" b="1" dirty="0"/>
-            </a:br>
-            <a:r>
-              <a:rPr kumimoji="1" lang="ja-JP" altLang="en-US" sz="3600" b="1" dirty="0"/>
-              <a:t>（</a:t>
-            </a:r>
-            <a:r>
-              <a:rPr lang="en-US" altLang="ja-JP" sz="3600" dirty="0"/>
-              <a:t>@st.kobedenshi.ac.jp</a:t>
-            </a:r>
-            <a:r>
-              <a:rPr lang="ja-JP" altLang="en-US" sz="3600" dirty="0"/>
-              <a:t>より前の部分）</a:t>
-            </a:r>
-            <a:br>
-              <a:rPr lang="en-US" altLang="ja-JP" sz="3600" dirty="0"/>
-            </a:br>
-            <a:endParaRPr lang="en-US" altLang="ja-JP" sz="3600" dirty="0"/>
-          </a:p>
-          <a:p>
-            <a:r>
-              <a:rPr kumimoji="1" lang="en-US" altLang="ja-JP" sz="3600" dirty="0"/>
-              <a:t>Your Country/Region</a:t>
+            <a:r>
+              <a:rPr kumimoji="1" lang="ja-JP" altLang="en-US" sz="3600" dirty="0"/>
+              <a:t>ｓｔメールアドレスを入力</a:t>
             </a:r>
             <a:br>
               <a:rPr kumimoji="1" lang="en-US" altLang="ja-JP" sz="3600" dirty="0"/>
@@ -12060,26 +12047,55 @@
             <a:r>
               <a:rPr kumimoji="1" lang="en-US" altLang="ja-JP" sz="3600" b="1" dirty="0">
                 <a:solidFill>
-                  <a:srgbClr val="FF0000"/>
+                  <a:srgbClr val="00B050"/>
                 </a:solidFill>
               </a:rPr>
-              <a:t>Japan</a:t>
+              <a:t>kd???????</a:t>
+            </a:r>
+            <a:r>
+              <a:rPr lang="en-US" altLang="ja-JP" sz="3600" b="1" dirty="0">
+                <a:solidFill>
+                  <a:srgbClr val="00B050"/>
+                </a:solidFill>
+              </a:rPr>
+              <a:t>@st.kobedenshi.ac.jp</a:t>
+            </a:r>
+            <a:br>
+              <a:rPr lang="en-US" altLang="ja-JP" sz="3600" dirty="0"/>
+            </a:br>
+            <a:endParaRPr lang="en-US" altLang="ja-JP" sz="3600" dirty="0"/>
+          </a:p>
+          <a:p>
+            <a:r>
+              <a:rPr kumimoji="1" lang="en-US" altLang="ja-JP" sz="3600" dirty="0"/>
+              <a:t>Password</a:t>
+            </a:r>
+            <a:br>
+              <a:rPr kumimoji="1" lang="en-US" altLang="ja-JP" sz="3600" dirty="0"/>
+            </a:br>
+            <a:r>
+              <a:rPr kumimoji="1" lang="en-US" altLang="ja-JP" sz="3600" dirty="0"/>
+              <a:t>8</a:t>
             </a:r>
             <a:r>
               <a:rPr kumimoji="1" lang="ja-JP" altLang="en-US" sz="3600" dirty="0"/>
-              <a:t>　のままで</a:t>
-            </a:r>
-            <a:r>
+              <a:t>文字以上の英数字混合のパスワード</a:t>
+            </a:r>
+            <a:br>
               <a:rPr kumimoji="1" lang="en-US" altLang="ja-JP" sz="3600" dirty="0"/>
-              <a:t>OK</a:t>
-            </a:r>
+            </a:br>
+            <a:r>
+              <a:rPr kumimoji="1" lang="ja-JP" altLang="en-US" sz="3600" dirty="0"/>
+              <a:t>よく使用されるパスワードは警告が表示される</a:t>
+            </a:r>
+            <a:endParaRPr kumimoji="1" lang="en-US" altLang="ja-JP" sz="3600" dirty="0"/>
           </a:p>
         </p:txBody>
       </p:sp>
     </p:spTree>
     <p:extLst>
       <p:ext uri="{BB962C8B-B14F-4D97-AF65-F5344CB8AC3E}">
-        <p14:creationId xmlns:p14="http://schemas.microsoft.com/office/powerpoint/2010/main" val="1449047056"/>
+        <p14:creationId xmlns:p14="http://schemas.microsoft.com/office/powerpoint/2010/main" val="480641148"/>
       </p:ext>
     </p:extLst>
   </p:cSld>
@@ -14836,7 +14852,7 @@
         <p:cNvPr id="1" name="">
           <a:extLst>
             <a:ext uri="{FF2B5EF4-FFF2-40B4-BE49-F238E27FC236}">
-              <a16:creationId xmlns:a16="http://schemas.microsoft.com/office/drawing/2014/main" id="{F9192255-0B9D-7D30-B7D7-470BBA2FF322}"/>
+              <a16:creationId xmlns:a16="http://schemas.microsoft.com/office/drawing/2014/main" id="{857BE397-A146-7D6F-95FE-B28A89531833}"/>
             </a:ext>
           </a:extLst>
         </p:cNvPr>
@@ -14856,7 +14872,7 @@
           <p:cNvPr id="2" name="タイトル 1">
             <a:extLst>
               <a:ext uri="{FF2B5EF4-FFF2-40B4-BE49-F238E27FC236}">
-                <a16:creationId xmlns:a16="http://schemas.microsoft.com/office/drawing/2014/main" id="{C7EE03BF-5EA6-95BE-CDA8-E3922C7E0048}"/>
+                <a16:creationId xmlns:a16="http://schemas.microsoft.com/office/drawing/2014/main" id="{87014A37-6CC1-2F99-55D4-A0684A1F4EA3}"/>
               </a:ext>
             </a:extLst>
           </p:cNvPr>
@@ -14888,7 +14904,7 @@
           <p:cNvPr id="3" name="コンテンツ プレースホルダー 2">
             <a:extLst>
               <a:ext uri="{FF2B5EF4-FFF2-40B4-BE49-F238E27FC236}">
-                <a16:creationId xmlns:a16="http://schemas.microsoft.com/office/drawing/2014/main" id="{E15C89F0-2DE1-15E3-AC65-75795469AB2F}"/>
+                <a16:creationId xmlns:a16="http://schemas.microsoft.com/office/drawing/2014/main" id="{84BC84BF-BE42-62B5-CFE4-56F3AC775B7B}"/>
               </a:ext>
             </a:extLst>
           </p:cNvPr>
@@ -14908,65 +14924,87 @@
           <a:p>
             <a:r>
               <a:rPr kumimoji="1" lang="en-US" altLang="ja-JP" sz="3600" dirty="0"/>
-              <a:t>Email</a:t>
+              <a:t>Username</a:t>
             </a:r>
             <a:br>
               <a:rPr kumimoji="1" lang="en-US" altLang="ja-JP" sz="3600" dirty="0"/>
             </a:br>
+            <a:br>
+              <a:rPr kumimoji="1" lang="en-US" altLang="ja-JP" sz="3600" dirty="0"/>
+            </a:br>
+            <a:r>
+              <a:rPr kumimoji="1" lang="en-US" altLang="ja-JP" sz="3600" b="1" dirty="0" err="1">
+                <a:solidFill>
+                  <a:srgbClr val="00B050"/>
+                </a:solidFill>
+              </a:rPr>
+              <a:t>kd</a:t>
+            </a:r>
+            <a:r>
+              <a:rPr kumimoji="1" lang="en-US" altLang="ja-JP" sz="3600" b="1" dirty="0">
+                <a:solidFill>
+                  <a:srgbClr val="00B050"/>
+                </a:solidFill>
+              </a:rPr>
+              <a:t>???????</a:t>
+            </a:r>
+            <a:br>
+              <a:rPr kumimoji="1" lang="en-US" altLang="ja-JP" sz="3600" b="1" dirty="0"/>
+            </a:br>
+            <a:br>
+              <a:rPr kumimoji="1" lang="en-US" altLang="ja-JP" sz="3600" b="1" dirty="0"/>
+            </a:br>
+            <a:r>
+              <a:rPr kumimoji="1" lang="ja-JP" altLang="en-US" sz="3600" b="1" dirty="0"/>
+              <a:t>（</a:t>
+            </a:r>
+            <a:r>
+              <a:rPr lang="en-US" altLang="ja-JP" sz="3600" dirty="0"/>
+              <a:t>@st.kobedenshi.ac.jp</a:t>
+            </a:r>
+            <a:r>
+              <a:rPr lang="ja-JP" altLang="en-US" sz="3600" dirty="0"/>
+              <a:t>より前の部分）</a:t>
+            </a:r>
+            <a:br>
+              <a:rPr lang="en-US" altLang="ja-JP" sz="3600" dirty="0"/>
+            </a:br>
+            <a:endParaRPr lang="en-US" altLang="ja-JP" sz="3600" dirty="0"/>
+          </a:p>
+          <a:p>
+            <a:r>
+              <a:rPr kumimoji="1" lang="en-US" altLang="ja-JP" sz="3600" dirty="0"/>
+              <a:t>Your Country/Region</a:t>
+            </a:r>
+            <a:br>
+              <a:rPr kumimoji="1" lang="en-US" altLang="ja-JP" sz="3600" dirty="0"/>
+            </a:br>
+            <a:br>
+              <a:rPr kumimoji="1" lang="en-US" altLang="ja-JP" sz="3600" dirty="0"/>
+            </a:br>
+            <a:r>
+              <a:rPr kumimoji="1" lang="en-US" altLang="ja-JP" sz="3600" b="1" dirty="0">
+                <a:solidFill>
+                  <a:srgbClr val="00B050"/>
+                </a:solidFill>
+              </a:rPr>
+              <a:t>Japan</a:t>
+            </a:r>
             <a:r>
               <a:rPr kumimoji="1" lang="ja-JP" altLang="en-US" sz="3600" dirty="0"/>
-              <a:t>ｓｔメールアドレスを入力</a:t>
-            </a:r>
-            <a:br>
+              <a:t>　のままで</a:t>
+            </a:r>
+            <a:r>
               <a:rPr kumimoji="1" lang="en-US" altLang="ja-JP" sz="3600" dirty="0"/>
-            </a:br>
-            <a:br>
-              <a:rPr kumimoji="1" lang="en-US" altLang="ja-JP" sz="3600" dirty="0"/>
-            </a:br>
-            <a:r>
-              <a:rPr kumimoji="1" lang="en-US" altLang="ja-JP" sz="3600" b="1" dirty="0"/>
-              <a:t>kd???????</a:t>
-            </a:r>
-            <a:r>
-              <a:rPr lang="en-US" altLang="ja-JP" sz="3600" b="1" dirty="0"/>
-              <a:t>@st.kobedenshi.ac.jp</a:t>
-            </a:r>
-            <a:br>
-              <a:rPr lang="en-US" altLang="ja-JP" sz="3600" dirty="0"/>
-            </a:br>
-            <a:endParaRPr lang="en-US" altLang="ja-JP" sz="3600" dirty="0"/>
-          </a:p>
-          <a:p>
-            <a:r>
-              <a:rPr kumimoji="1" lang="en-US" altLang="ja-JP" sz="3600" dirty="0"/>
-              <a:t>Password</a:t>
-            </a:r>
-            <a:br>
-              <a:rPr kumimoji="1" lang="en-US" altLang="ja-JP" sz="3600" dirty="0"/>
-            </a:br>
-            <a:r>
-              <a:rPr kumimoji="1" lang="en-US" altLang="ja-JP" sz="3600" dirty="0"/>
-              <a:t>8</a:t>
-            </a:r>
-            <a:r>
-              <a:rPr kumimoji="1" lang="ja-JP" altLang="en-US" sz="3600" dirty="0"/>
-              <a:t>文字以上の英数字混合のパスワード</a:t>
-            </a:r>
-            <a:br>
-              <a:rPr kumimoji="1" lang="en-US" altLang="ja-JP" sz="3600" dirty="0"/>
-            </a:br>
-            <a:r>
-              <a:rPr kumimoji="1" lang="ja-JP" altLang="en-US" sz="3600" dirty="0"/>
-              <a:t>よく使用されるパスワードは警告が表示される</a:t>
-            </a:r>
-            <a:endParaRPr kumimoji="1" lang="en-US" altLang="ja-JP" sz="3600" dirty="0"/>
+              <a:t>OK</a:t>
+            </a:r>
           </a:p>
         </p:txBody>
       </p:sp>
     </p:spTree>
     <p:extLst>
       <p:ext uri="{BB962C8B-B14F-4D97-AF65-F5344CB8AC3E}">
-        <p14:creationId xmlns:p14="http://schemas.microsoft.com/office/powerpoint/2010/main" val="480641148"/>
+        <p14:creationId xmlns:p14="http://schemas.microsoft.com/office/powerpoint/2010/main" val="1449047056"/>
       </p:ext>
     </p:extLst>
   </p:cSld>
@@ -15156,12 +15194,12 @@
           <a:graphicData uri="http://schemas.openxmlformats.org/presentationml/2006/ole">
             <mc:AlternateContent xmlns:mc="http://schemas.openxmlformats.org/markup-compatibility/2006">
               <mc:Choice xmlns:v="urn:schemas-microsoft-com:vml" Requires="v">
-                <p:oleObj r:id="rId2" imgW="12511119" imgH="8719558" progId="">
+                <p:oleObj spid="_x0000_s1027" r:id="rId3" imgW="12511119" imgH="8719558" progId="">
                   <p:embed/>
                 </p:oleObj>
               </mc:Choice>
               <mc:Fallback>
-                <p:oleObj r:id="rId2" imgW="12511119" imgH="8719558" progId="">
+                <p:oleObj r:id="rId3" imgW="12511119" imgH="8719558" progId="">
                   <p:embed/>
                   <p:pic>
                     <p:nvPicPr>
@@ -15170,7 +15208,7 @@
                       <p:nvPr/>
                     </p:nvPicPr>
                     <p:blipFill>
-                      <a:blip r:embed="rId3"/>
+                      <a:blip r:embed="rId4"/>
                       <a:stretch>
                         <a:fillRect/>
                       </a:stretch>
@@ -15566,7 +15604,7 @@
 </file>
 
 <file path=ppt/slides/slide6.xml><?xml version="1.0" encoding="utf-8"?>
-<p:sld xmlns:a="http://schemas.openxmlformats.org/drawingml/2006/main" xmlns:r="http://schemas.openxmlformats.org/officeDocument/2006/relationships" xmlns:p="http://schemas.openxmlformats.org/presentationml/2006/main">
+<p:sld xmlns:a="http://schemas.openxmlformats.org/drawingml/2006/main" xmlns:r="http://schemas.openxmlformats.org/officeDocument/2006/relationships" xmlns:p="http://schemas.openxmlformats.org/presentationml/2006/main" show="0">
   <p:cSld>
     <p:spTree>
       <p:nvGrpSpPr>
@@ -15782,7 +15820,7 @@
 </file>
 
 <file path=ppt/slides/slide7.xml><?xml version="1.0" encoding="utf-8"?>
-<p:sld xmlns:a="http://schemas.openxmlformats.org/drawingml/2006/main" xmlns:r="http://schemas.openxmlformats.org/officeDocument/2006/relationships" xmlns:p="http://schemas.openxmlformats.org/presentationml/2006/main">
+<p:sld xmlns:a="http://schemas.openxmlformats.org/drawingml/2006/main" xmlns:r="http://schemas.openxmlformats.org/officeDocument/2006/relationships" xmlns:p="http://schemas.openxmlformats.org/presentationml/2006/main" show="0">
   <p:cSld>
     <p:spTree>
       <p:nvGrpSpPr>
@@ -16006,7 +16044,7 @@
 </file>
 
 <file path=ppt/slides/slide8.xml><?xml version="1.0" encoding="utf-8"?>
-<p:sld xmlns:a="http://schemas.openxmlformats.org/drawingml/2006/main" xmlns:r="http://schemas.openxmlformats.org/officeDocument/2006/relationships" xmlns:p="http://schemas.openxmlformats.org/presentationml/2006/main">
+<p:sld xmlns:a="http://schemas.openxmlformats.org/drawingml/2006/main" xmlns:r="http://schemas.openxmlformats.org/officeDocument/2006/relationships" xmlns:p="http://schemas.openxmlformats.org/presentationml/2006/main" show="0">
   <p:cSld>
     <p:spTree>
       <p:nvGrpSpPr>
@@ -16231,7 +16269,7 @@
 </file>
 
 <file path=ppt/slides/slide9.xml><?xml version="1.0" encoding="utf-8"?>
-<p:sld xmlns:a="http://schemas.openxmlformats.org/drawingml/2006/main" xmlns:r="http://schemas.openxmlformats.org/officeDocument/2006/relationships" xmlns:p="http://schemas.openxmlformats.org/presentationml/2006/main">
+<p:sld xmlns:a="http://schemas.openxmlformats.org/drawingml/2006/main" xmlns:r="http://schemas.openxmlformats.org/officeDocument/2006/relationships" xmlns:p="http://schemas.openxmlformats.org/presentationml/2006/main" show="0">
   <p:cSld>
     <p:spTree>
       <p:nvGrpSpPr>
